--- a/posters/2024_spring/yu_na_lee_240423.pptx
+++ b/posters/2024_spring/yu_na_lee_240423.pptx
@@ -254,7 +254,7 @@
       <p15:sldGuideLst xmlns:p15="http://schemas.microsoft.com/office/powerpoint/2012/main"/>
     </p:ext>
     <p:ext uri="http://customooxmlschemas.google.com/">
-      <go:slidesCustomData xmlns="" xmlns:mc="http://schemas.openxmlformats.org/markup-compatibility/2006" xmlns:mv="urn:schemas-microsoft-com:mac:vml" xmlns:c="http://schemas.openxmlformats.org/drawingml/2006/chart" xmlns:dgm="http://schemas.openxmlformats.org/drawingml/2006/diagram" xmlns:o="urn:schemas-microsoft-com:office:office" xmlns:v="urn:schemas-microsoft-com:vml" xmlns:pvml="urn:schemas-microsoft-com:office:powerpoint" xmlns:com="http://schemas.openxmlformats.org/drawingml/2006/compatibility" xmlns:p14="http://schemas.microsoft.com/office/powerpoint/2010/main" xmlns:p15="http://schemas.microsoft.com/office/powerpoint/2012/main" xmlns:ahyp="http://schemas.microsoft.com/office/drawing/2018/hyperlinkcolor" xmlns:go="http://customooxmlschemas.google.com/" r:id="rId12" roundtripDataSignature="AMtx7mj9Ic0Cos0+1WxzYeHFBp4wMVEnvg=="/>
+      <go:slidesCustomData xmlns:go="http://customooxmlschemas.google.com/" xmlns:ahyp="http://schemas.microsoft.com/office/drawing/2018/hyperlinkcolor" xmlns:p15="http://schemas.microsoft.com/office/powerpoint/2012/main" xmlns:p14="http://schemas.microsoft.com/office/powerpoint/2010/main" xmlns:com="http://schemas.openxmlformats.org/drawingml/2006/compatibility" xmlns:pvml="urn:schemas-microsoft-com:office:powerpoint" xmlns:v="urn:schemas-microsoft-com:vml" xmlns:o="urn:schemas-microsoft-com:office:office" xmlns:dgm="http://schemas.openxmlformats.org/drawingml/2006/diagram" xmlns:c="http://schemas.openxmlformats.org/drawingml/2006/chart" xmlns:mv="urn:schemas-microsoft-com:mac:vml" xmlns:mc="http://schemas.openxmlformats.org/markup-compatibility/2006" xmlns="" r:id="rId12" roundtripDataSignature="AMtx7mj9Ic0Cos0+1WxzYeHFBp4wMVEnvg=="/>
     </p:ext>
   </p:extLst>
 </p:presentation>
@@ -11234,8 +11234,8 @@
         </p:nvSpPr>
         <p:spPr>
           <a:xfrm>
-            <a:off x="3384646" y="2131877"/>
-            <a:ext cx="4082954" cy="4093388"/>
+            <a:off x="3384646" y="2152345"/>
+            <a:ext cx="4082954" cy="4524275"/>
           </a:xfrm>
           <a:prstGeom prst="rect">
             <a:avLst/>
@@ -11270,7 +11270,7 @@
                 <a:cs typeface="Calibri"/>
                 <a:sym typeface="Calibri"/>
               </a:rPr>
-              <a:t>First Name Last Name</a:t>
+              <a:t>Yu Na Lee</a:t>
             </a:r>
           </a:p>
           <a:p>
@@ -11293,7 +11293,7 @@
                 <a:cs typeface="Calibri"/>
                 <a:sym typeface="Calibri"/>
               </a:rPr>
-              <a:t>Affiliation</a:t>
+              <a:t> University of Guelph</a:t>
             </a:r>
           </a:p>
           <a:p>
@@ -11326,6 +11326,18 @@
               </a:spcAft>
               <a:buNone/>
             </a:pPr>
+            <a:r>
+              <a:rPr lang="en-US" sz="2800" b="1" dirty="0">
+                <a:solidFill>
+                  <a:schemeClr val="dk1"/>
+                </a:solidFill>
+                <a:latin typeface="LM Roman 12" panose="00000500000000000000" pitchFamily="50" charset="0"/>
+                <a:ea typeface="Calibri"/>
+                <a:cs typeface="Calibri"/>
+                <a:sym typeface="Calibri"/>
+              </a:rPr>
+              <a:t>Tuesday</a:t>
+            </a:r>
             <a:r>
               <a:rPr lang="en-US" sz="2800" b="1" i="0" u="none" strike="noStrike" cap="none" dirty="0">
                 <a:solidFill>
@@ -11336,8 +11348,19 @@
                 <a:cs typeface="Calibri"/>
                 <a:sym typeface="Calibri"/>
               </a:rPr>
-              <a:t>Friday, </a:t>
+              <a:t>, </a:t>
             </a:r>
+          </a:p>
+          <a:p>
+            <a:pPr marL="114300" marR="114300" lvl="0" indent="0" algn="r" rtl="0">
+              <a:spcBef>
+                <a:spcPts val="0"/>
+              </a:spcBef>
+              <a:spcAft>
+                <a:spcPts val="0"/>
+              </a:spcAft>
+              <a:buNone/>
+            </a:pPr>
             <a:r>
               <a:rPr lang="en-US" sz="2800" b="1" dirty="0">
                 <a:solidFill>
@@ -11348,7 +11371,7 @@
                 <a:cs typeface="Calibri"/>
                 <a:sym typeface="Calibri"/>
               </a:rPr>
-              <a:t>February 17</a:t>
+              <a:t>April 23</a:t>
             </a:r>
             <a:endParaRPr lang="en-US" sz="2800" dirty="0">
               <a:solidFill>
@@ -11488,8 +11511,8 @@
         </p:nvSpPr>
         <p:spPr>
           <a:xfrm>
-            <a:off x="153035" y="6677688"/>
-            <a:ext cx="7122937" cy="1261884"/>
+            <a:off x="153035" y="6823950"/>
+            <a:ext cx="7122937" cy="830997"/>
           </a:xfrm>
           <a:prstGeom prst="rect">
             <a:avLst/>
@@ -11570,7 +11593,7 @@
                 <a:ea typeface="Arial" panose="020B0604020202020204" pitchFamily="34" charset="0"/>
                 <a:cs typeface="+mn-cs"/>
               </a:rPr>
-              <a:t>THIS IS THE TITLE FOR THE PRESENTATION</a:t>
+              <a:t>Food Price and Child Marriage</a:t>
             </a:r>
           </a:p>
         </p:txBody>
@@ -11596,8 +11619,8 @@
         </p:blipFill>
         <p:spPr>
           <a:xfrm>
-            <a:off x="153035" y="2479100"/>
-            <a:ext cx="3231611" cy="3389437"/>
+            <a:off x="324355" y="2479100"/>
+            <a:ext cx="2896517" cy="3607801"/>
           </a:xfrm>
           <a:prstGeom prst="rect">
             <a:avLst/>
